--- a/docs/materials/day3/files/osgus19-day3-part2-containers.pptx
+++ b/docs/materials/day3/files/osgus19-day3-part2-containers.pptx
@@ -7469,6 +7469,13 @@
   <p:clrMapOvr>
     <a:masterClrMapping/>
   </p:clrMapOvr>
+  <p:timing>
+    <p:tnLst>
+      <p:par>
+        <p:cTn xmlns:p14="http://schemas.microsoft.com/office/powerpoint/2010/main" id="1" dur="indefinite" restart="never" nodeType="tmRoot"/>
+      </p:par>
+    </p:tnLst>
+  </p:timing>
 </p:sld>
 </file>
 
@@ -9166,6 +9173,13 @@
   <p:clrMapOvr>
     <a:masterClrMapping/>
   </p:clrMapOvr>
+  <p:timing>
+    <p:tnLst>
+      <p:par>
+        <p:cTn xmlns:p14="http://schemas.microsoft.com/office/powerpoint/2010/main" id="1" dur="indefinite" restart="never" nodeType="tmRoot"/>
+      </p:par>
+    </p:tnLst>
+  </p:timing>
 </p:sld>
 </file>
 
@@ -9227,7 +9241,12 @@
             <p:ph idx="1"/>
           </p:nvPr>
         </p:nvSpPr>
-        <p:spPr/>
+        <p:spPr>
+          <a:xfrm>
+            <a:off x="682015" y="1111249"/>
+            <a:ext cx="8125387" cy="4109861"/>
+          </a:xfrm>
+        </p:spPr>
         <p:txBody>
           <a:bodyPr/>
           <a:lstStyle/>
@@ -9252,8 +9271,13 @@
             </a:r>
             <a:r>
               <a:rPr lang="en-US" dirty="0" smtClean="0"/>
-              <a:t>			Singularity</a:t>
-            </a:r>
+              <a:t>			</a:t>
+            </a:r>
+            <a:r>
+              <a:rPr lang="en-US" dirty="0" smtClean="0"/>
+              <a:t>	Singularity</a:t>
+            </a:r>
+            <a:endParaRPr lang="en-US" dirty="0" smtClean="0"/>
           </a:p>
           <a:p>
             <a:pPr marL="57150" indent="0">
@@ -9277,10 +9301,20 @@
               <a:t> 	</a:t>
             </a:r>
             <a:r>
+              <a:rPr lang="en-US" sz="2400" dirty="0" smtClean="0"/>
+              <a:t>	</a:t>
+            </a:r>
+            <a:r>
+              <a:rPr lang="en-US" sz="2400" dirty="0" smtClean="0">
+                <a:hlinkClick r:id="rId4"/>
+              </a:rPr>
+              <a:t>https</a:t>
+            </a:r>
+            <a:r>
               <a:rPr lang="en-US" sz="2400" dirty="0">
                 <a:hlinkClick r:id="rId4"/>
               </a:rPr>
-              <a:t>https://sylabs.io</a:t>
+              <a:t>://sylabs.io</a:t>
             </a:r>
             <a:r>
               <a:rPr lang="en-US" sz="2400" dirty="0" smtClean="0">
@@ -9301,6 +9335,62 @@
               <a:defRPr/>
             </a:pPr>
             <a:endParaRPr lang="en-US" dirty="0" smtClean="0">
+              <a:latin typeface="Arial" charset="0"/>
+              <a:ea typeface="ＭＳ Ｐゴシック" charset="0"/>
+              <a:cs typeface="ＭＳ Ｐゴシック" charset="0"/>
+            </a:endParaRPr>
+          </a:p>
+          <a:p>
+            <a:pPr marL="0" indent="0">
+              <a:buNone/>
+              <a:defRPr/>
+            </a:pPr>
+            <a:endParaRPr lang="en-US" dirty="0" smtClean="0">
+              <a:latin typeface="Arial" charset="0"/>
+              <a:ea typeface="ＭＳ Ｐゴシック" charset="0"/>
+              <a:cs typeface="ＭＳ Ｐゴシック" charset="0"/>
+            </a:endParaRPr>
+          </a:p>
+          <a:p>
+            <a:pPr>
+              <a:defRPr/>
+            </a:pPr>
+            <a:endParaRPr lang="en-US" sz="2000" dirty="0" smtClean="0">
+              <a:latin typeface="Arial" charset="0"/>
+              <a:ea typeface="ＭＳ Ｐゴシック" charset="0"/>
+              <a:cs typeface="ＭＳ Ｐゴシック" charset="0"/>
+            </a:endParaRPr>
+          </a:p>
+          <a:p>
+            <a:pPr marL="0" indent="0">
+              <a:buNone/>
+              <a:defRPr/>
+            </a:pPr>
+            <a:r>
+              <a:rPr lang="en-US" sz="2000" dirty="0" smtClean="0">
+                <a:latin typeface="Arial" charset="0"/>
+                <a:ea typeface="ＭＳ Ｐゴシック" charset="0"/>
+                <a:cs typeface="ＭＳ Ｐゴシック" charset="0"/>
+              </a:rPr>
+              <a:t>The container itself will always be some version of Linux - but can be run on Linux / Mac / Windows if </a:t>
+            </a:r>
+            <a:r>
+              <a:rPr lang="en-US" sz="2000" dirty="0" err="1" smtClean="0">
+                <a:latin typeface="Arial" charset="0"/>
+                <a:ea typeface="ＭＳ Ｐゴシック" charset="0"/>
+                <a:cs typeface="ＭＳ Ｐゴシック" charset="0"/>
+              </a:rPr>
+              <a:t>Docker</a:t>
+            </a:r>
+            <a:r>
+              <a:rPr lang="en-US" sz="2000" dirty="0" smtClean="0">
+                <a:latin typeface="Arial" charset="0"/>
+                <a:ea typeface="ＭＳ Ｐゴシック" charset="0"/>
+                <a:cs typeface="ＭＳ Ｐゴシック" charset="0"/>
+              </a:rPr>
+              <a:t> or Singularity is installed</a:t>
+            </a:r>
+            <a:endParaRPr lang="en-US" sz="2000" dirty="0" smtClean="0">
               <a:latin typeface="Arial" charset="0"/>
               <a:ea typeface="ＭＳ Ｐゴシック" charset="0"/>
               <a:cs typeface="ＭＳ Ｐゴシック" charset="0"/>
@@ -9598,6 +9688,13 @@
   <p:clrMapOvr>
     <a:masterClrMapping/>
   </p:clrMapOvr>
+  <p:timing>
+    <p:tnLst>
+      <p:par>
+        <p:cTn xmlns:p14="http://schemas.microsoft.com/office/powerpoint/2010/main" id="1" dur="indefinite" restart="never" nodeType="tmRoot"/>
+      </p:par>
+    </p:tnLst>
+  </p:timing>
 </p:sld>
 </file>
 
@@ -9751,6 +9848,13 @@
   <p:clrMapOvr>
     <a:masterClrMapping/>
   </p:clrMapOvr>
+  <p:timing>
+    <p:tnLst>
+      <p:par>
+        <p:cTn xmlns:p14="http://schemas.microsoft.com/office/powerpoint/2010/main" id="1" dur="indefinite" restart="never" nodeType="tmRoot"/>
+      </p:par>
+    </p:tnLst>
+  </p:timing>
 </p:sld>
 </file>
 
@@ -10095,6 +10199,13 @@
   <p:clrMapOvr>
     <a:masterClrMapping/>
   </p:clrMapOvr>
+  <p:timing>
+    <p:tnLst>
+      <p:par>
+        <p:cTn xmlns:p14="http://schemas.microsoft.com/office/powerpoint/2010/main" id="1" dur="indefinite" restart="never" nodeType="tmRoot"/>
+      </p:par>
+    </p:tnLst>
+  </p:timing>
 </p:sld>
 </file>
 
@@ -10343,6 +10454,13 @@
   <p:clrMapOvr>
     <a:masterClrMapping/>
   </p:clrMapOvr>
+  <p:timing>
+    <p:tnLst>
+      <p:par>
+        <p:cTn xmlns:p14="http://schemas.microsoft.com/office/powerpoint/2010/main" id="1" dur="indefinite" restart="never" nodeType="tmRoot"/>
+      </p:par>
+    </p:tnLst>
+  </p:timing>
 </p:sld>
 </file>
 
@@ -10780,6 +10898,13 @@
   <p:clrMapOvr>
     <a:masterClrMapping/>
   </p:clrMapOvr>
+  <p:timing>
+    <p:tnLst>
+      <p:par>
+        <p:cTn xmlns:p14="http://schemas.microsoft.com/office/powerpoint/2010/main" id="1" dur="indefinite" restart="never" nodeType="tmRoot"/>
+      </p:par>
+    </p:tnLst>
+  </p:timing>
 </p:sld>
 </file>
 
@@ -11168,6 +11293,13 @@
   <p:clrMapOvr>
     <a:masterClrMapping/>
   </p:clrMapOvr>
+  <p:timing>
+    <p:tnLst>
+      <p:par>
+        <p:cTn xmlns:p14="http://schemas.microsoft.com/office/powerpoint/2010/main" id="1" dur="indefinite" restart="never" nodeType="tmRoot"/>
+      </p:par>
+    </p:tnLst>
+  </p:timing>
 </p:sld>
 </file>
 
@@ -11429,14 +11561,7 @@
                 <a:latin typeface="Courier New"/>
                 <a:cs typeface="Courier New"/>
               </a:rPr>
-              <a:t> = </a:t>
-            </a:r>
-            <a:r>
-              <a:rPr lang="en-US" sz="2000" b="1" dirty="0" smtClean="0">
-                <a:latin typeface="Courier New"/>
-                <a:cs typeface="Courier New"/>
-              </a:rPr>
-              <a:t>“/</a:t>
+              <a:t> = “/</a:t>
             </a:r>
             <a:r>
               <a:rPr lang="en-US" sz="2000" b="1" dirty="0" err="1">
@@ -11471,14 +11596,7 @@
                 <a:latin typeface="Courier New"/>
                 <a:cs typeface="Courier New"/>
               </a:rPr>
-              <a:t>centos7:</a:t>
-            </a:r>
-            <a:r>
-              <a:rPr lang="en-US" sz="2000" b="1" dirty="0" smtClean="0">
-                <a:latin typeface="Courier New"/>
-                <a:cs typeface="Courier New"/>
-              </a:rPr>
-              <a:t>latest”</a:t>
+              <a:t>centos7:latest”</a:t>
             </a:r>
             <a:endParaRPr lang="en-US" sz="2000" b="1" dirty="0">
               <a:latin typeface="Courier New"/>
@@ -11513,6 +11631,13 @@
   <p:clrMapOvr>
     <a:masterClrMapping/>
   </p:clrMapOvr>
+  <p:timing>
+    <p:tnLst>
+      <p:par>
+        <p:cTn xmlns:p14="http://schemas.microsoft.com/office/powerpoint/2010/main" id="1" dur="indefinite" restart="never" nodeType="tmRoot"/>
+      </p:par>
+    </p:tnLst>
+  </p:timing>
 </p:sld>
 </file>
 
